--- a/利用LLM製作文件分析機器人.pptx
+++ b/利用LLM製作文件分析機器人.pptx
@@ -118,6 +118,22 @@
       </a:defRPr>
     </a:lvl9pPr>
   </p:defaultTextStyle>
+  <p:extLst>
+    <p:ext uri="{EFAFB233-063F-42B5-8137-9DF3F51BA10A}">
+      <p15:sldGuideLst xmlns:p15="http://schemas.microsoft.com/office/powerpoint/2012/main">
+        <p15:guide id="1" orient="horz" pos="2160">
+          <p15:clr>
+            <a:srgbClr val="A4A3A4"/>
+          </p15:clr>
+        </p15:guide>
+        <p15:guide id="2" pos="2880">
+          <p15:clr>
+            <a:srgbClr val="A4A3A4"/>
+          </p15:clr>
+        </p15:guide>
+      </p15:sldGuideLst>
+    </p:ext>
+  </p:extLst>
 </p:presentation>
 </file>
 
@@ -159,10 +175,9 @@
           <a:lstStyle/>
           <a:p>
             <a:r>
-              <a:rPr lang="zh-TW" altLang="en-US" smtClean="0"/>
+              <a:rPr lang="zh-TW" altLang="en-US"/>
               <a:t>按一下以編輯母片標題樣式</a:t>
             </a:r>
-            <a:endParaRPr lang="zh-TW" altLang="en-US"/>
           </a:p>
         </p:txBody>
       </p:sp>
@@ -278,10 +293,9 @@
           </a:lstStyle>
           <a:p>
             <a:r>
-              <a:rPr lang="zh-TW" altLang="en-US" smtClean="0"/>
+              <a:rPr lang="zh-TW" altLang="en-US"/>
               <a:t>按一下以編輯母片副標題樣式</a:t>
             </a:r>
-            <a:endParaRPr lang="zh-TW" altLang="en-US"/>
           </a:p>
         </p:txBody>
       </p:sp>
@@ -302,7 +316,7 @@
           <a:p>
             <a:fld id="{F9643B5D-41E2-41C3-97B6-B1B6F40DC810}" type="datetimeFigureOut">
               <a:rPr lang="zh-TW" altLang="en-US" smtClean="0"/>
-              <a:t>2023/11/9</a:t>
+              <a:t>2023/11/10</a:t>
             </a:fld>
             <a:endParaRPr lang="zh-TW" altLang="en-US"/>
           </a:p>
@@ -396,10 +410,9 @@
           <a:lstStyle/>
           <a:p>
             <a:r>
-              <a:rPr lang="zh-TW" altLang="en-US" smtClean="0"/>
+              <a:rPr lang="zh-TW" altLang="en-US"/>
               <a:t>按一下以編輯母片標題樣式</a:t>
             </a:r>
-            <a:endParaRPr lang="zh-TW" altLang="en-US"/>
           </a:p>
         </p:txBody>
       </p:sp>
@@ -420,38 +433,37 @@
           <a:p>
             <a:pPr lvl="0"/>
             <a:r>
-              <a:rPr lang="zh-TW" altLang="en-US" smtClean="0"/>
+              <a:rPr lang="zh-TW" altLang="en-US"/>
               <a:t>按一下以編輯母片文字樣式</a:t>
             </a:r>
           </a:p>
           <a:p>
             <a:pPr lvl="1"/>
             <a:r>
-              <a:rPr lang="zh-TW" altLang="en-US" smtClean="0"/>
+              <a:rPr lang="zh-TW" altLang="en-US"/>
               <a:t>第二層</a:t>
             </a:r>
           </a:p>
           <a:p>
             <a:pPr lvl="2"/>
             <a:r>
-              <a:rPr lang="zh-TW" altLang="en-US" smtClean="0"/>
+              <a:rPr lang="zh-TW" altLang="en-US"/>
               <a:t>第三層</a:t>
             </a:r>
           </a:p>
           <a:p>
             <a:pPr lvl="3"/>
             <a:r>
-              <a:rPr lang="zh-TW" altLang="en-US" smtClean="0"/>
+              <a:rPr lang="zh-TW" altLang="en-US"/>
               <a:t>第四層</a:t>
             </a:r>
           </a:p>
           <a:p>
             <a:pPr lvl="4"/>
             <a:r>
-              <a:rPr lang="zh-TW" altLang="en-US" smtClean="0"/>
+              <a:rPr lang="zh-TW" altLang="en-US"/>
               <a:t>第五層</a:t>
             </a:r>
-            <a:endParaRPr lang="zh-TW" altLang="en-US"/>
           </a:p>
         </p:txBody>
       </p:sp>
@@ -472,7 +484,7 @@
           <a:p>
             <a:fld id="{F9643B5D-41E2-41C3-97B6-B1B6F40DC810}" type="datetimeFigureOut">
               <a:rPr lang="zh-TW" altLang="en-US" smtClean="0"/>
-              <a:t>2023/11/9</a:t>
+              <a:t>2023/11/10</a:t>
             </a:fld>
             <a:endParaRPr lang="zh-TW" altLang="en-US"/>
           </a:p>
@@ -571,10 +583,9 @@
           <a:lstStyle/>
           <a:p>
             <a:r>
-              <a:rPr lang="zh-TW" altLang="en-US" smtClean="0"/>
+              <a:rPr lang="zh-TW" altLang="en-US"/>
               <a:t>按一下以編輯母片標題樣式</a:t>
             </a:r>
-            <a:endParaRPr lang="zh-TW" altLang="en-US"/>
           </a:p>
         </p:txBody>
       </p:sp>
@@ -600,38 +611,37 @@
           <a:p>
             <a:pPr lvl="0"/>
             <a:r>
-              <a:rPr lang="zh-TW" altLang="en-US" smtClean="0"/>
+              <a:rPr lang="zh-TW" altLang="en-US"/>
               <a:t>按一下以編輯母片文字樣式</a:t>
             </a:r>
           </a:p>
           <a:p>
             <a:pPr lvl="1"/>
             <a:r>
-              <a:rPr lang="zh-TW" altLang="en-US" smtClean="0"/>
+              <a:rPr lang="zh-TW" altLang="en-US"/>
               <a:t>第二層</a:t>
             </a:r>
           </a:p>
           <a:p>
             <a:pPr lvl="2"/>
             <a:r>
-              <a:rPr lang="zh-TW" altLang="en-US" smtClean="0"/>
+              <a:rPr lang="zh-TW" altLang="en-US"/>
               <a:t>第三層</a:t>
             </a:r>
           </a:p>
           <a:p>
             <a:pPr lvl="3"/>
             <a:r>
-              <a:rPr lang="zh-TW" altLang="en-US" smtClean="0"/>
+              <a:rPr lang="zh-TW" altLang="en-US"/>
               <a:t>第四層</a:t>
             </a:r>
           </a:p>
           <a:p>
             <a:pPr lvl="4"/>
             <a:r>
-              <a:rPr lang="zh-TW" altLang="en-US" smtClean="0"/>
+              <a:rPr lang="zh-TW" altLang="en-US"/>
               <a:t>第五層</a:t>
             </a:r>
-            <a:endParaRPr lang="zh-TW" altLang="en-US"/>
           </a:p>
         </p:txBody>
       </p:sp>
@@ -652,7 +662,7 @@
           <a:p>
             <a:fld id="{F9643B5D-41E2-41C3-97B6-B1B6F40DC810}" type="datetimeFigureOut">
               <a:rPr lang="zh-TW" altLang="en-US" smtClean="0"/>
-              <a:t>2023/11/9</a:t>
+              <a:t>2023/11/10</a:t>
             </a:fld>
             <a:endParaRPr lang="zh-TW" altLang="en-US"/>
           </a:p>
@@ -746,10 +756,9 @@
           <a:lstStyle/>
           <a:p>
             <a:r>
-              <a:rPr lang="zh-TW" altLang="en-US" smtClean="0"/>
+              <a:rPr lang="zh-TW" altLang="en-US"/>
               <a:t>按一下以編輯母片標題樣式</a:t>
             </a:r>
-            <a:endParaRPr lang="zh-TW" altLang="en-US"/>
           </a:p>
         </p:txBody>
       </p:sp>
@@ -770,38 +779,37 @@
           <a:p>
             <a:pPr lvl="0"/>
             <a:r>
-              <a:rPr lang="zh-TW" altLang="en-US" smtClean="0"/>
+              <a:rPr lang="zh-TW" altLang="en-US"/>
               <a:t>按一下以編輯母片文字樣式</a:t>
             </a:r>
           </a:p>
           <a:p>
             <a:pPr lvl="1"/>
             <a:r>
-              <a:rPr lang="zh-TW" altLang="en-US" smtClean="0"/>
+              <a:rPr lang="zh-TW" altLang="en-US"/>
               <a:t>第二層</a:t>
             </a:r>
           </a:p>
           <a:p>
             <a:pPr lvl="2"/>
             <a:r>
-              <a:rPr lang="zh-TW" altLang="en-US" smtClean="0"/>
+              <a:rPr lang="zh-TW" altLang="en-US"/>
               <a:t>第三層</a:t>
             </a:r>
           </a:p>
           <a:p>
             <a:pPr lvl="3"/>
             <a:r>
-              <a:rPr lang="zh-TW" altLang="en-US" smtClean="0"/>
+              <a:rPr lang="zh-TW" altLang="en-US"/>
               <a:t>第四層</a:t>
             </a:r>
           </a:p>
           <a:p>
             <a:pPr lvl="4"/>
             <a:r>
-              <a:rPr lang="zh-TW" altLang="en-US" smtClean="0"/>
+              <a:rPr lang="zh-TW" altLang="en-US"/>
               <a:t>第五層</a:t>
             </a:r>
-            <a:endParaRPr lang="zh-TW" altLang="en-US"/>
           </a:p>
         </p:txBody>
       </p:sp>
@@ -822,7 +830,7 @@
           <a:p>
             <a:fld id="{F9643B5D-41E2-41C3-97B6-B1B6F40DC810}" type="datetimeFigureOut">
               <a:rPr lang="zh-TW" altLang="en-US" smtClean="0"/>
-              <a:t>2023/11/9</a:t>
+              <a:t>2023/11/10</a:t>
             </a:fld>
             <a:endParaRPr lang="zh-TW" altLang="en-US"/>
           </a:p>
@@ -925,10 +933,9 @@
           </a:lstStyle>
           <a:p>
             <a:r>
-              <a:rPr lang="zh-TW" altLang="en-US" smtClean="0"/>
+              <a:rPr lang="zh-TW" altLang="en-US"/>
               <a:t>按一下以編輯母片標題樣式</a:t>
             </a:r>
-            <a:endParaRPr lang="zh-TW" altLang="en-US"/>
           </a:p>
         </p:txBody>
       </p:sp>
@@ -1045,7 +1052,7 @@
           <a:p>
             <a:pPr lvl="0"/>
             <a:r>
-              <a:rPr lang="zh-TW" altLang="en-US" smtClean="0"/>
+              <a:rPr lang="zh-TW" altLang="en-US"/>
               <a:t>按一下以編輯母片文字樣式</a:t>
             </a:r>
           </a:p>
@@ -1068,7 +1075,7 @@
           <a:p>
             <a:fld id="{F9643B5D-41E2-41C3-97B6-B1B6F40DC810}" type="datetimeFigureOut">
               <a:rPr lang="zh-TW" altLang="en-US" smtClean="0"/>
-              <a:t>2023/11/9</a:t>
+              <a:t>2023/11/10</a:t>
             </a:fld>
             <a:endParaRPr lang="zh-TW" altLang="en-US"/>
           </a:p>
@@ -1162,10 +1169,9 @@
           <a:lstStyle/>
           <a:p>
             <a:r>
-              <a:rPr lang="zh-TW" altLang="en-US" smtClean="0"/>
+              <a:rPr lang="zh-TW" altLang="en-US"/>
               <a:t>按一下以編輯母片標題樣式</a:t>
             </a:r>
-            <a:endParaRPr lang="zh-TW" altLang="en-US"/>
           </a:p>
         </p:txBody>
       </p:sp>
@@ -1219,38 +1225,37 @@
           <a:p>
             <a:pPr lvl="0"/>
             <a:r>
-              <a:rPr lang="zh-TW" altLang="en-US" smtClean="0"/>
+              <a:rPr lang="zh-TW" altLang="en-US"/>
               <a:t>按一下以編輯母片文字樣式</a:t>
             </a:r>
           </a:p>
           <a:p>
             <a:pPr lvl="1"/>
             <a:r>
-              <a:rPr lang="zh-TW" altLang="en-US" smtClean="0"/>
+              <a:rPr lang="zh-TW" altLang="en-US"/>
               <a:t>第二層</a:t>
             </a:r>
           </a:p>
           <a:p>
             <a:pPr lvl="2"/>
             <a:r>
-              <a:rPr lang="zh-TW" altLang="en-US" smtClean="0"/>
+              <a:rPr lang="zh-TW" altLang="en-US"/>
               <a:t>第三層</a:t>
             </a:r>
           </a:p>
           <a:p>
             <a:pPr lvl="3"/>
             <a:r>
-              <a:rPr lang="zh-TW" altLang="en-US" smtClean="0"/>
+              <a:rPr lang="zh-TW" altLang="en-US"/>
               <a:t>第四層</a:t>
             </a:r>
           </a:p>
           <a:p>
             <a:pPr lvl="4"/>
             <a:r>
-              <a:rPr lang="zh-TW" altLang="en-US" smtClean="0"/>
+              <a:rPr lang="zh-TW" altLang="en-US"/>
               <a:t>第五層</a:t>
             </a:r>
-            <a:endParaRPr lang="zh-TW" altLang="en-US"/>
           </a:p>
         </p:txBody>
       </p:sp>
@@ -1304,38 +1309,37 @@
           <a:p>
             <a:pPr lvl="0"/>
             <a:r>
-              <a:rPr lang="zh-TW" altLang="en-US" smtClean="0"/>
+              <a:rPr lang="zh-TW" altLang="en-US"/>
               <a:t>按一下以編輯母片文字樣式</a:t>
             </a:r>
           </a:p>
           <a:p>
             <a:pPr lvl="1"/>
             <a:r>
-              <a:rPr lang="zh-TW" altLang="en-US" smtClean="0"/>
+              <a:rPr lang="zh-TW" altLang="en-US"/>
               <a:t>第二層</a:t>
             </a:r>
           </a:p>
           <a:p>
             <a:pPr lvl="2"/>
             <a:r>
-              <a:rPr lang="zh-TW" altLang="en-US" smtClean="0"/>
+              <a:rPr lang="zh-TW" altLang="en-US"/>
               <a:t>第三層</a:t>
             </a:r>
           </a:p>
           <a:p>
             <a:pPr lvl="3"/>
             <a:r>
-              <a:rPr lang="zh-TW" altLang="en-US" smtClean="0"/>
+              <a:rPr lang="zh-TW" altLang="en-US"/>
               <a:t>第四層</a:t>
             </a:r>
           </a:p>
           <a:p>
             <a:pPr lvl="4"/>
             <a:r>
-              <a:rPr lang="zh-TW" altLang="en-US" smtClean="0"/>
+              <a:rPr lang="zh-TW" altLang="en-US"/>
               <a:t>第五層</a:t>
             </a:r>
-            <a:endParaRPr lang="zh-TW" altLang="en-US"/>
           </a:p>
         </p:txBody>
       </p:sp>
@@ -1356,7 +1360,7 @@
           <a:p>
             <a:fld id="{F9643B5D-41E2-41C3-97B6-B1B6F40DC810}" type="datetimeFigureOut">
               <a:rPr lang="zh-TW" altLang="en-US" smtClean="0"/>
-              <a:t>2023/11/9</a:t>
+              <a:t>2023/11/10</a:t>
             </a:fld>
             <a:endParaRPr lang="zh-TW" altLang="en-US"/>
           </a:p>
@@ -1454,10 +1458,9 @@
           </a:lstStyle>
           <a:p>
             <a:r>
-              <a:rPr lang="zh-TW" altLang="en-US" smtClean="0"/>
+              <a:rPr lang="zh-TW" altLang="en-US"/>
               <a:t>按一下以編輯母片標題樣式</a:t>
             </a:r>
-            <a:endParaRPr lang="zh-TW" altLang="en-US"/>
           </a:p>
         </p:txBody>
       </p:sp>
@@ -1520,7 +1523,7 @@
           <a:p>
             <a:pPr lvl="0"/>
             <a:r>
-              <a:rPr lang="zh-TW" altLang="en-US" smtClean="0"/>
+              <a:rPr lang="zh-TW" altLang="en-US"/>
               <a:t>按一下以編輯母片文字樣式</a:t>
             </a:r>
           </a:p>
@@ -1576,38 +1579,37 @@
           <a:p>
             <a:pPr lvl="0"/>
             <a:r>
-              <a:rPr lang="zh-TW" altLang="en-US" smtClean="0"/>
+              <a:rPr lang="zh-TW" altLang="en-US"/>
               <a:t>按一下以編輯母片文字樣式</a:t>
             </a:r>
           </a:p>
           <a:p>
             <a:pPr lvl="1"/>
             <a:r>
-              <a:rPr lang="zh-TW" altLang="en-US" smtClean="0"/>
+              <a:rPr lang="zh-TW" altLang="en-US"/>
               <a:t>第二層</a:t>
             </a:r>
           </a:p>
           <a:p>
             <a:pPr lvl="2"/>
             <a:r>
-              <a:rPr lang="zh-TW" altLang="en-US" smtClean="0"/>
+              <a:rPr lang="zh-TW" altLang="en-US"/>
               <a:t>第三層</a:t>
             </a:r>
           </a:p>
           <a:p>
             <a:pPr lvl="3"/>
             <a:r>
-              <a:rPr lang="zh-TW" altLang="en-US" smtClean="0"/>
+              <a:rPr lang="zh-TW" altLang="en-US"/>
               <a:t>第四層</a:t>
             </a:r>
           </a:p>
           <a:p>
             <a:pPr lvl="4"/>
             <a:r>
-              <a:rPr lang="zh-TW" altLang="en-US" smtClean="0"/>
+              <a:rPr lang="zh-TW" altLang="en-US"/>
               <a:t>第五層</a:t>
             </a:r>
-            <a:endParaRPr lang="zh-TW" altLang="en-US"/>
           </a:p>
         </p:txBody>
       </p:sp>
@@ -1670,7 +1672,7 @@
           <a:p>
             <a:pPr lvl="0"/>
             <a:r>
-              <a:rPr lang="zh-TW" altLang="en-US" smtClean="0"/>
+              <a:rPr lang="zh-TW" altLang="en-US"/>
               <a:t>按一下以編輯母片文字樣式</a:t>
             </a:r>
           </a:p>
@@ -1726,38 +1728,37 @@
           <a:p>
             <a:pPr lvl="0"/>
             <a:r>
-              <a:rPr lang="zh-TW" altLang="en-US" smtClean="0"/>
+              <a:rPr lang="zh-TW" altLang="en-US"/>
               <a:t>按一下以編輯母片文字樣式</a:t>
             </a:r>
           </a:p>
           <a:p>
             <a:pPr lvl="1"/>
             <a:r>
-              <a:rPr lang="zh-TW" altLang="en-US" smtClean="0"/>
+              <a:rPr lang="zh-TW" altLang="en-US"/>
               <a:t>第二層</a:t>
             </a:r>
           </a:p>
           <a:p>
             <a:pPr lvl="2"/>
             <a:r>
-              <a:rPr lang="zh-TW" altLang="en-US" smtClean="0"/>
+              <a:rPr lang="zh-TW" altLang="en-US"/>
               <a:t>第三層</a:t>
             </a:r>
           </a:p>
           <a:p>
             <a:pPr lvl="3"/>
             <a:r>
-              <a:rPr lang="zh-TW" altLang="en-US" smtClean="0"/>
+              <a:rPr lang="zh-TW" altLang="en-US"/>
               <a:t>第四層</a:t>
             </a:r>
           </a:p>
           <a:p>
             <a:pPr lvl="4"/>
             <a:r>
-              <a:rPr lang="zh-TW" altLang="en-US" smtClean="0"/>
+              <a:rPr lang="zh-TW" altLang="en-US"/>
               <a:t>第五層</a:t>
             </a:r>
-            <a:endParaRPr lang="zh-TW" altLang="en-US"/>
           </a:p>
         </p:txBody>
       </p:sp>
@@ -1778,7 +1779,7 @@
           <a:p>
             <a:fld id="{F9643B5D-41E2-41C3-97B6-B1B6F40DC810}" type="datetimeFigureOut">
               <a:rPr lang="zh-TW" altLang="en-US" smtClean="0"/>
-              <a:t>2023/11/9</a:t>
+              <a:t>2023/11/10</a:t>
             </a:fld>
             <a:endParaRPr lang="zh-TW" altLang="en-US"/>
           </a:p>
@@ -1872,10 +1873,9 @@
           <a:lstStyle/>
           <a:p>
             <a:r>
-              <a:rPr lang="zh-TW" altLang="en-US" smtClean="0"/>
+              <a:rPr lang="zh-TW" altLang="en-US"/>
               <a:t>按一下以編輯母片標題樣式</a:t>
             </a:r>
-            <a:endParaRPr lang="zh-TW" altLang="en-US"/>
           </a:p>
         </p:txBody>
       </p:sp>
@@ -1896,7 +1896,7 @@
           <a:p>
             <a:fld id="{F9643B5D-41E2-41C3-97B6-B1B6F40DC810}" type="datetimeFigureOut">
               <a:rPr lang="zh-TW" altLang="en-US" smtClean="0"/>
-              <a:t>2023/11/9</a:t>
+              <a:t>2023/11/10</a:t>
             </a:fld>
             <a:endParaRPr lang="zh-TW" altLang="en-US"/>
           </a:p>
@@ -1991,7 +1991,7 @@
           <a:p>
             <a:fld id="{F9643B5D-41E2-41C3-97B6-B1B6F40DC810}" type="datetimeFigureOut">
               <a:rPr lang="zh-TW" altLang="en-US" smtClean="0"/>
-              <a:t>2023/11/9</a:t>
+              <a:t>2023/11/10</a:t>
             </a:fld>
             <a:endParaRPr lang="zh-TW" altLang="en-US"/>
           </a:p>
@@ -2094,10 +2094,9 @@
           </a:lstStyle>
           <a:p>
             <a:r>
-              <a:rPr lang="zh-TW" altLang="en-US" smtClean="0"/>
+              <a:rPr lang="zh-TW" altLang="en-US"/>
               <a:t>按一下以編輯母片標題樣式</a:t>
             </a:r>
-            <a:endParaRPr lang="zh-TW" altLang="en-US"/>
           </a:p>
         </p:txBody>
       </p:sp>
@@ -2151,38 +2150,37 @@
           <a:p>
             <a:pPr lvl="0"/>
             <a:r>
-              <a:rPr lang="zh-TW" altLang="en-US" smtClean="0"/>
+              <a:rPr lang="zh-TW" altLang="en-US"/>
               <a:t>按一下以編輯母片文字樣式</a:t>
             </a:r>
           </a:p>
           <a:p>
             <a:pPr lvl="1"/>
             <a:r>
-              <a:rPr lang="zh-TW" altLang="en-US" smtClean="0"/>
+              <a:rPr lang="zh-TW" altLang="en-US"/>
               <a:t>第二層</a:t>
             </a:r>
           </a:p>
           <a:p>
             <a:pPr lvl="2"/>
             <a:r>
-              <a:rPr lang="zh-TW" altLang="en-US" smtClean="0"/>
+              <a:rPr lang="zh-TW" altLang="en-US"/>
               <a:t>第三層</a:t>
             </a:r>
           </a:p>
           <a:p>
             <a:pPr lvl="3"/>
             <a:r>
-              <a:rPr lang="zh-TW" altLang="en-US" smtClean="0"/>
+              <a:rPr lang="zh-TW" altLang="en-US"/>
               <a:t>第四層</a:t>
             </a:r>
           </a:p>
           <a:p>
             <a:pPr lvl="4"/>
             <a:r>
-              <a:rPr lang="zh-TW" altLang="en-US" smtClean="0"/>
+              <a:rPr lang="zh-TW" altLang="en-US"/>
               <a:t>第五層</a:t>
             </a:r>
-            <a:endParaRPr lang="zh-TW" altLang="en-US"/>
           </a:p>
         </p:txBody>
       </p:sp>
@@ -2245,7 +2243,7 @@
           <a:p>
             <a:pPr lvl="0"/>
             <a:r>
-              <a:rPr lang="zh-TW" altLang="en-US" smtClean="0"/>
+              <a:rPr lang="zh-TW" altLang="en-US"/>
               <a:t>按一下以編輯母片文字樣式</a:t>
             </a:r>
           </a:p>
@@ -2268,7 +2266,7 @@
           <a:p>
             <a:fld id="{F9643B5D-41E2-41C3-97B6-B1B6F40DC810}" type="datetimeFigureOut">
               <a:rPr lang="zh-TW" altLang="en-US" smtClean="0"/>
-              <a:t>2023/11/9</a:t>
+              <a:t>2023/11/10</a:t>
             </a:fld>
             <a:endParaRPr lang="zh-TW" altLang="en-US"/>
           </a:p>
@@ -2371,10 +2369,9 @@
           </a:lstStyle>
           <a:p>
             <a:r>
-              <a:rPr lang="zh-TW" altLang="en-US" smtClean="0"/>
+              <a:rPr lang="zh-TW" altLang="en-US"/>
               <a:t>按一下以編輯母片標題樣式</a:t>
             </a:r>
-            <a:endParaRPr lang="zh-TW" altLang="en-US"/>
           </a:p>
         </p:txBody>
       </p:sp>
@@ -2498,7 +2495,7 @@
           <a:p>
             <a:pPr lvl="0"/>
             <a:r>
-              <a:rPr lang="zh-TW" altLang="en-US" smtClean="0"/>
+              <a:rPr lang="zh-TW" altLang="en-US"/>
               <a:t>按一下以編輯母片文字樣式</a:t>
             </a:r>
           </a:p>
@@ -2521,7 +2518,7 @@
           <a:p>
             <a:fld id="{F9643B5D-41E2-41C3-97B6-B1B6F40DC810}" type="datetimeFigureOut">
               <a:rPr lang="zh-TW" altLang="en-US" smtClean="0"/>
-              <a:t>2023/11/9</a:t>
+              <a:t>2023/11/10</a:t>
             </a:fld>
             <a:endParaRPr lang="zh-TW" altLang="en-US"/>
           </a:p>
@@ -2630,10 +2627,9 @@
           <a:lstStyle/>
           <a:p>
             <a:r>
-              <a:rPr lang="zh-TW" altLang="en-US" smtClean="0"/>
+              <a:rPr lang="zh-TW" altLang="en-US"/>
               <a:t>按一下以編輯母片標題樣式</a:t>
             </a:r>
-            <a:endParaRPr lang="zh-TW" altLang="en-US"/>
           </a:p>
         </p:txBody>
       </p:sp>
@@ -2664,38 +2660,37 @@
           <a:p>
             <a:pPr lvl="0"/>
             <a:r>
-              <a:rPr lang="zh-TW" altLang="en-US" smtClean="0"/>
+              <a:rPr lang="zh-TW" altLang="en-US"/>
               <a:t>按一下以編輯母片文字樣式</a:t>
             </a:r>
           </a:p>
           <a:p>
             <a:pPr lvl="1"/>
             <a:r>
-              <a:rPr lang="zh-TW" altLang="en-US" smtClean="0"/>
+              <a:rPr lang="zh-TW" altLang="en-US"/>
               <a:t>第二層</a:t>
             </a:r>
           </a:p>
           <a:p>
             <a:pPr lvl="2"/>
             <a:r>
-              <a:rPr lang="zh-TW" altLang="en-US" smtClean="0"/>
+              <a:rPr lang="zh-TW" altLang="en-US"/>
               <a:t>第三層</a:t>
             </a:r>
           </a:p>
           <a:p>
             <a:pPr lvl="3"/>
             <a:r>
-              <a:rPr lang="zh-TW" altLang="en-US" smtClean="0"/>
+              <a:rPr lang="zh-TW" altLang="en-US"/>
               <a:t>第四層</a:t>
             </a:r>
           </a:p>
           <a:p>
             <a:pPr lvl="4"/>
             <a:r>
-              <a:rPr lang="zh-TW" altLang="en-US" smtClean="0"/>
+              <a:rPr lang="zh-TW" altLang="en-US"/>
               <a:t>第五層</a:t>
             </a:r>
-            <a:endParaRPr lang="zh-TW" altLang="en-US"/>
           </a:p>
         </p:txBody>
       </p:sp>
@@ -2734,7 +2729,7 @@
           <a:p>
             <a:fld id="{F9643B5D-41E2-41C3-97B6-B1B6F40DC810}" type="datetimeFigureOut">
               <a:rPr lang="zh-TW" altLang="en-US" smtClean="0"/>
-              <a:t>2023/11/9</a:t>
+              <a:t>2023/11/10</a:t>
             </a:fld>
             <a:endParaRPr lang="zh-TW" altLang="en-US"/>
           </a:p>
@@ -3205,7 +3200,7 @@
         </p:nvSpPr>
         <p:spPr>
           <a:xfrm>
-            <a:off x="683568" y="2420888"/>
+            <a:off x="685800" y="2693988"/>
             <a:ext cx="7772400" cy="1470025"/>
           </a:xfrm>
         </p:spPr>
@@ -3214,7 +3209,7 @@
           <a:lstStyle/>
           <a:p>
             <a:r>
-              <a:rPr lang="zh-TW" altLang="en-US" b="1" dirty="0" smtClean="0">
+              <a:rPr lang="zh-TW" altLang="en-US" b="1" dirty="0">
                 <a:ln w="15875">
                   <a:noFill/>
                 </a:ln>
@@ -3234,7 +3229,7 @@
               <a:t>利用</a:t>
             </a:r>
             <a:r>
-              <a:rPr lang="en-US" altLang="zh-TW" b="1" dirty="0" smtClean="0">
+              <a:rPr lang="en-US" altLang="zh-TW" b="1" dirty="0">
                 <a:ln w="15875">
                   <a:noFill/>
                 </a:ln>
@@ -3254,7 +3249,7 @@
               <a:t>LLM</a:t>
             </a:r>
             <a:r>
-              <a:rPr lang="zh-TW" altLang="en-US" b="1" dirty="0" smtClean="0">
+              <a:rPr lang="zh-TW" altLang="en-US" b="1" dirty="0">
                 <a:ln w="15875">
                   <a:noFill/>
                 </a:ln>
@@ -3273,23 +3268,6 @@
               </a:rPr>
               <a:t>製作文件分析機器人</a:t>
             </a:r>
-            <a:endParaRPr lang="zh-TW" altLang="en-US" b="1" dirty="0">
-              <a:ln w="15875">
-                <a:noFill/>
-              </a:ln>
-              <a:solidFill>
-                <a:schemeClr val="bg1"/>
-              </a:solidFill>
-              <a:effectLst>
-                <a:outerShdw blurRad="50800" dist="38100" dir="2700000" algn="tl" rotWithShape="0">
-                  <a:prstClr val="black">
-                    <a:alpha val="40000"/>
-                  </a:prstClr>
-                </a:outerShdw>
-              </a:effectLst>
-              <a:latin typeface="Adobe 繁黑體 Std B" pitchFamily="34" charset="-120"/>
-              <a:ea typeface="Adobe 繁黑體 Std B" pitchFamily="34" charset="-120"/>
-            </a:endParaRPr>
           </a:p>
         </p:txBody>
       </p:sp>
@@ -3344,16 +3322,12 @@
           <a:lstStyle/>
           <a:p>
             <a:r>
-              <a:rPr lang="zh-TW" altLang="en-US" dirty="0" smtClean="0">
+              <a:rPr lang="zh-TW" altLang="en-US" dirty="0">
                 <a:latin typeface="Adobe 繁黑體 Std B" pitchFamily="34" charset="-120"/>
                 <a:ea typeface="Adobe 繁黑體 Std B" pitchFamily="34" charset="-120"/>
               </a:rPr>
               <a:t>搜尋答案</a:t>
             </a:r>
-            <a:endParaRPr lang="zh-TW" altLang="en-US" dirty="0">
-              <a:latin typeface="Adobe 繁黑體 Std B" pitchFamily="34" charset="-120"/>
-              <a:ea typeface="Adobe 繁黑體 Std B" pitchFamily="34" charset="-120"/>
-            </a:endParaRPr>
           </a:p>
         </p:txBody>
       </p:sp>
@@ -3380,7 +3354,7 @@
           <a:lstStyle/>
           <a:p>
             <a:r>
-              <a:rPr lang="zh-TW" altLang="en-US" sz="2400" b="1" dirty="0" smtClean="0">
+              <a:rPr lang="zh-TW" altLang="en-US" sz="2400" b="1" dirty="0">
                 <a:solidFill>
                   <a:schemeClr val="tx1">
                     <a:lumMod val="95000"/>
@@ -3393,7 +3367,7 @@
               <a:t>使用</a:t>
             </a:r>
             <a:r>
-              <a:rPr lang="en-US" altLang="zh-TW" sz="2400" b="1" dirty="0" err="1" smtClean="0">
+              <a:rPr lang="en-US" altLang="zh-TW" sz="2400" b="1" dirty="0" err="1">
                 <a:solidFill>
                   <a:schemeClr val="tx1">
                     <a:lumMod val="95000"/>
@@ -3406,7 +3380,7 @@
               <a:t>LangChain</a:t>
             </a:r>
             <a:r>
-              <a:rPr lang="zh-TW" altLang="en-US" sz="2400" b="1" dirty="0" smtClean="0">
+              <a:rPr lang="zh-TW" altLang="en-US" sz="2400" b="1" dirty="0">
                 <a:solidFill>
                   <a:schemeClr val="tx1">
                     <a:lumMod val="95000"/>
@@ -3419,7 +3393,7 @@
               <a:t>中的</a:t>
             </a:r>
             <a:r>
-              <a:rPr lang="en-US" altLang="zh-TW" sz="2400" b="1" dirty="0" err="1" smtClean="0">
+              <a:rPr lang="en-US" altLang="zh-TW" sz="2400" b="1" dirty="0" err="1">
                 <a:solidFill>
                   <a:schemeClr val="tx1">
                     <a:lumMod val="95000"/>
@@ -3432,7 +3406,7 @@
               <a:t>load_qa_chain</a:t>
             </a:r>
             <a:r>
-              <a:rPr lang="zh-TW" altLang="en-US" sz="2400" b="1" dirty="0" smtClean="0">
+              <a:rPr lang="zh-TW" altLang="en-US" sz="2400" b="1" dirty="0">
                 <a:solidFill>
                   <a:schemeClr val="tx1">
                     <a:lumMod val="95000"/>
@@ -3444,16 +3418,6 @@
               </a:rPr>
               <a:t>搜尋答案可能在的段落，並交給語言模型作分析</a:t>
             </a:r>
-            <a:endParaRPr lang="zh-TW" altLang="en-US" sz="2400" b="1" dirty="0">
-              <a:solidFill>
-                <a:schemeClr val="tx1">
-                  <a:lumMod val="95000"/>
-                  <a:lumOff val="5000"/>
-                </a:schemeClr>
-              </a:solidFill>
-              <a:latin typeface="Adobe 繁黑體 Std B" pitchFamily="34" charset="-120"/>
-              <a:ea typeface="Adobe 繁黑體 Std B" pitchFamily="34" charset="-120"/>
-            </a:endParaRPr>
           </a:p>
         </p:txBody>
       </p:sp>
@@ -3504,13 +3468,6 @@
   <p:clrMapOvr>
     <a:masterClrMapping/>
   </p:clrMapOvr>
-  <p:timing>
-    <p:tnLst>
-      <p:par>
-        <p:cTn id="1" dur="indefinite" restart="never" nodeType="tmRoot"/>
-      </p:par>
-    </p:tnLst>
-  </p:timing>
 </p:sld>
 </file>
 
@@ -3552,16 +3509,12 @@
           <a:lstStyle/>
           <a:p>
             <a:r>
-              <a:rPr lang="zh-TW" altLang="en-US" dirty="0" smtClean="0">
+              <a:rPr lang="zh-TW" altLang="en-US" dirty="0">
                 <a:latin typeface="Adobe 繁黑體 Std B" pitchFamily="34" charset="-120"/>
                 <a:ea typeface="Adobe 繁黑體 Std B" pitchFamily="34" charset="-120"/>
               </a:rPr>
               <a:t>整合功能</a:t>
             </a:r>
-            <a:endParaRPr lang="zh-TW" altLang="en-US" dirty="0">
-              <a:latin typeface="Adobe 繁黑體 Std B" pitchFamily="34" charset="-120"/>
-              <a:ea typeface="Adobe 繁黑體 Std B" pitchFamily="34" charset="-120"/>
-            </a:endParaRPr>
           </a:p>
         </p:txBody>
       </p:sp>
@@ -3588,7 +3541,7 @@
           <a:lstStyle/>
           <a:p>
             <a:r>
-              <a:rPr lang="zh-TW" altLang="en-US" sz="2400" b="1" dirty="0" smtClean="0">
+              <a:rPr lang="zh-TW" altLang="en-US" sz="2400" b="1" dirty="0">
                 <a:solidFill>
                   <a:schemeClr val="tx1">
                     <a:lumMod val="95000"/>
@@ -3600,16 +3553,6 @@
               </a:rPr>
               <a:t>整合上述功能來實現分析文本語言模型</a:t>
             </a:r>
-            <a:endParaRPr lang="zh-TW" altLang="en-US" sz="2400" b="1" dirty="0">
-              <a:solidFill>
-                <a:schemeClr val="tx1">
-                  <a:lumMod val="95000"/>
-                  <a:lumOff val="5000"/>
-                </a:schemeClr>
-              </a:solidFill>
-              <a:latin typeface="Adobe 繁黑體 Std B" pitchFamily="34" charset="-120"/>
-              <a:ea typeface="Adobe 繁黑體 Std B" pitchFamily="34" charset="-120"/>
-            </a:endParaRPr>
           </a:p>
         </p:txBody>
       </p:sp>
@@ -3697,13 +3640,6 @@
   <p:clrMapOvr>
     <a:masterClrMapping/>
   </p:clrMapOvr>
-  <p:timing>
-    <p:tnLst>
-      <p:par>
-        <p:cTn id="1" dur="indefinite" restart="never" nodeType="tmRoot"/>
-      </p:par>
-    </p:tnLst>
-  </p:timing>
 </p:sld>
 </file>
 
@@ -3745,16 +3681,12 @@
           <a:lstStyle/>
           <a:p>
             <a:r>
-              <a:rPr lang="zh-TW" altLang="en-US" dirty="0" smtClean="0">
+              <a:rPr lang="zh-TW" altLang="en-US" dirty="0">
                 <a:latin typeface="Adobe 繁黑體 Std B" pitchFamily="34" charset="-120"/>
                 <a:ea typeface="Adobe 繁黑體 Std B" pitchFamily="34" charset="-120"/>
               </a:rPr>
               <a:t>語音功能</a:t>
             </a:r>
-            <a:endParaRPr lang="zh-TW" altLang="en-US" dirty="0">
-              <a:latin typeface="Adobe 繁黑體 Std B" pitchFamily="34" charset="-120"/>
-              <a:ea typeface="Adobe 繁黑體 Std B" pitchFamily="34" charset="-120"/>
-            </a:endParaRPr>
           </a:p>
         </p:txBody>
       </p:sp>
@@ -3781,7 +3713,7 @@
           <a:lstStyle/>
           <a:p>
             <a:r>
-              <a:rPr lang="zh-TW" altLang="en-US" sz="2400" b="1" dirty="0" smtClean="0">
+              <a:rPr lang="zh-TW" altLang="en-US" sz="2400" b="1" dirty="0">
                 <a:solidFill>
                   <a:schemeClr val="tx1">
                     <a:lumMod val="95000"/>
@@ -3794,7 +3726,7 @@
               <a:t>使用</a:t>
             </a:r>
             <a:r>
-              <a:rPr lang="en-US" altLang="zh-TW" sz="2400" b="1" dirty="0" smtClean="0">
+              <a:rPr lang="en-US" altLang="zh-TW" sz="2400" b="1" dirty="0">
                 <a:solidFill>
                   <a:schemeClr val="tx1">
                     <a:lumMod val="95000"/>
@@ -3807,7 +3739,7 @@
               <a:t>Google</a:t>
             </a:r>
             <a:r>
-              <a:rPr lang="zh-TW" altLang="en-US" sz="2400" b="1" dirty="0" smtClean="0">
+              <a:rPr lang="zh-TW" altLang="en-US" sz="2400" b="1" dirty="0">
                 <a:solidFill>
                   <a:schemeClr val="tx1">
                     <a:lumMod val="95000"/>
@@ -3819,16 +3751,6 @@
               </a:rPr>
               <a:t>中的語因功能念出句子</a:t>
             </a:r>
-            <a:endParaRPr lang="zh-TW" altLang="en-US" sz="2400" b="1" dirty="0">
-              <a:solidFill>
-                <a:schemeClr val="tx1">
-                  <a:lumMod val="95000"/>
-                  <a:lumOff val="5000"/>
-                </a:schemeClr>
-              </a:solidFill>
-              <a:latin typeface="Adobe 繁黑體 Std B" pitchFamily="34" charset="-120"/>
-              <a:ea typeface="Adobe 繁黑體 Std B" pitchFamily="34" charset="-120"/>
-            </a:endParaRPr>
           </a:p>
         </p:txBody>
       </p:sp>
@@ -3902,13 +3824,6 @@
   <p:clrMapOvr>
     <a:masterClrMapping/>
   </p:clrMapOvr>
-  <p:timing>
-    <p:tnLst>
-      <p:par>
-        <p:cTn id="1" dur="indefinite" restart="never" nodeType="tmRoot"/>
-      </p:par>
-    </p:tnLst>
-  </p:timing>
 </p:sld>
 </file>
 
@@ -3950,14 +3865,14 @@
           <a:lstStyle/>
           <a:p>
             <a:r>
-              <a:rPr lang="zh-TW" altLang="en-US" dirty="0" smtClean="0">
+              <a:rPr lang="zh-TW" altLang="en-US" dirty="0">
                 <a:latin typeface="Adobe 繁黑體 Std B" pitchFamily="34" charset="-120"/>
                 <a:ea typeface="Adobe 繁黑體 Std B" pitchFamily="34" charset="-120"/>
               </a:rPr>
               <a:t>實際操作</a:t>
             </a:r>
             <a:r>
-              <a:rPr lang="en-US" altLang="zh-TW" dirty="0" smtClean="0">
+              <a:rPr lang="en-US" altLang="zh-TW" dirty="0">
                 <a:latin typeface="Adobe 繁黑體 Std B" pitchFamily="34" charset="-120"/>
                 <a:ea typeface="Adobe 繁黑體 Std B" pitchFamily="34" charset="-120"/>
               </a:rPr>
@@ -4017,13 +3932,6 @@
   <p:clrMapOvr>
     <a:masterClrMapping/>
   </p:clrMapOvr>
-  <p:timing>
-    <p:tnLst>
-      <p:par>
-        <p:cTn id="1" dur="indefinite" restart="never" nodeType="tmRoot"/>
-      </p:par>
-    </p:tnLst>
-  </p:timing>
 </p:sld>
 </file>
 
@@ -4065,14 +3973,14 @@
           <a:lstStyle/>
           <a:p>
             <a:r>
-              <a:rPr lang="zh-TW" altLang="en-US" dirty="0" smtClean="0">
+              <a:rPr lang="zh-TW" altLang="en-US" dirty="0">
                 <a:latin typeface="Adobe 繁黑體 Std B" pitchFamily="34" charset="-120"/>
                 <a:ea typeface="Adobe 繁黑體 Std B" pitchFamily="34" charset="-120"/>
               </a:rPr>
               <a:t>實際操作</a:t>
             </a:r>
             <a:r>
-              <a:rPr lang="en-US" altLang="zh-TW" dirty="0" smtClean="0">
+              <a:rPr lang="en-US" altLang="zh-TW" dirty="0">
                 <a:latin typeface="Adobe 繁黑體 Std B" pitchFamily="34" charset="-120"/>
                 <a:ea typeface="Adobe 繁黑體 Std B" pitchFamily="34" charset="-120"/>
               </a:rPr>
@@ -4132,13 +4040,6 @@
   <p:clrMapOvr>
     <a:masterClrMapping/>
   </p:clrMapOvr>
-  <p:timing>
-    <p:tnLst>
-      <p:par>
-        <p:cTn id="1" dur="indefinite" restart="never" nodeType="tmRoot"/>
-      </p:par>
-    </p:tnLst>
-  </p:timing>
 </p:sld>
 </file>
 
@@ -4180,14 +4081,14 @@
           <a:lstStyle/>
           <a:p>
             <a:r>
-              <a:rPr lang="zh-TW" altLang="en-US" dirty="0" smtClean="0">
+              <a:rPr lang="zh-TW" altLang="en-US" dirty="0">
                 <a:latin typeface="Adobe 繁黑體 Std B" pitchFamily="34" charset="-120"/>
                 <a:ea typeface="Adobe 繁黑體 Std B" pitchFamily="34" charset="-120"/>
               </a:rPr>
               <a:t>實際操作</a:t>
             </a:r>
             <a:r>
-              <a:rPr lang="en-US" altLang="zh-TW" dirty="0" smtClean="0">
+              <a:rPr lang="en-US" altLang="zh-TW" dirty="0">
                 <a:latin typeface="Adobe 繁黑體 Std B" pitchFamily="34" charset="-120"/>
                 <a:ea typeface="Adobe 繁黑體 Std B" pitchFamily="34" charset="-120"/>
               </a:rPr>
@@ -4247,13 +4148,6 @@
   <p:clrMapOvr>
     <a:masterClrMapping/>
   </p:clrMapOvr>
-  <p:timing>
-    <p:tnLst>
-      <p:par>
-        <p:cTn id="1" dur="indefinite" restart="never" nodeType="tmRoot"/>
-      </p:par>
-    </p:tnLst>
-  </p:timing>
 </p:sld>
 </file>
 
@@ -4295,7 +4189,7 @@
           <a:lstStyle/>
           <a:p>
             <a:r>
-              <a:rPr lang="en-US" altLang="zh-TW" dirty="0" smtClean="0"/>
+              <a:rPr lang="en-US" altLang="zh-TW" dirty="0"/>
               <a:t>PDF-Reader</a:t>
             </a:r>
             <a:endParaRPr lang="zh-TW" altLang="en-US" dirty="0"/>
@@ -4362,16 +4256,12 @@
           <a:lstStyle/>
           <a:p>
             <a:r>
-              <a:rPr lang="zh-TW" altLang="en-US" dirty="0" smtClean="0">
+              <a:rPr lang="zh-TW" altLang="en-US" dirty="0">
                 <a:latin typeface="Adobe 繁黑體 Std B" pitchFamily="34" charset="-120"/>
                 <a:ea typeface="Adobe 繁黑體 Std B" pitchFamily="34" charset="-120"/>
               </a:rPr>
               <a:t>基本介面</a:t>
             </a:r>
-            <a:endParaRPr lang="zh-TW" altLang="en-US" dirty="0">
-              <a:latin typeface="Adobe 繁黑體 Std B" pitchFamily="34" charset="-120"/>
-              <a:ea typeface="Adobe 繁黑體 Std B" pitchFamily="34" charset="-120"/>
-            </a:endParaRPr>
           </a:p>
         </p:txBody>
       </p:sp>
@@ -4426,16 +4316,12 @@
           <a:lstStyle/>
           <a:p>
             <a:r>
-              <a:rPr lang="zh-TW" altLang="en-US" dirty="0" smtClean="0">
+              <a:rPr lang="zh-TW" altLang="en-US" dirty="0">
                 <a:latin typeface="Adobe 繁黑體 Std B" pitchFamily="34" charset="-120"/>
                 <a:ea typeface="Adobe 繁黑體 Std B" pitchFamily="34" charset="-120"/>
               </a:rPr>
               <a:t>讀取檔案</a:t>
             </a:r>
-            <a:endParaRPr lang="zh-TW" altLang="en-US" dirty="0">
-              <a:latin typeface="Adobe 繁黑體 Std B" pitchFamily="34" charset="-120"/>
-              <a:ea typeface="Adobe 繁黑體 Std B" pitchFamily="34" charset="-120"/>
-            </a:endParaRPr>
           </a:p>
         </p:txBody>
       </p:sp>
@@ -4462,7 +4348,7 @@
           <a:lstStyle/>
           <a:p>
             <a:r>
-              <a:rPr lang="zh-TW" altLang="en-US" sz="2400" b="1" dirty="0" smtClean="0">
+              <a:rPr lang="zh-TW" altLang="en-US" sz="2400" b="1" dirty="0">
                 <a:solidFill>
                   <a:schemeClr val="tx1">
                     <a:lumMod val="95000"/>
@@ -4475,7 +4361,7 @@
               <a:t>目前支援格式：</a:t>
             </a:r>
             <a:r>
-              <a:rPr lang="en-US" altLang="zh-TW" sz="2400" b="1" dirty="0" smtClean="0">
+              <a:rPr lang="en-US" altLang="zh-TW" sz="2400" b="1" dirty="0">
                 <a:solidFill>
                   <a:schemeClr val="tx1">
                     <a:lumMod val="95000"/>
@@ -4488,7 +4374,7 @@
               <a:t>PDF</a:t>
             </a:r>
             <a:r>
-              <a:rPr lang="zh-TW" altLang="en-US" sz="2400" b="1" dirty="0" smtClean="0">
+              <a:rPr lang="zh-TW" altLang="en-US" sz="2400" b="1" dirty="0">
                 <a:solidFill>
                   <a:schemeClr val="tx1">
                     <a:lumMod val="95000"/>
@@ -4501,7 +4387,7 @@
               <a:t>、</a:t>
             </a:r>
             <a:r>
-              <a:rPr lang="en-US" altLang="zh-TW" sz="2400" b="1" dirty="0" smtClean="0">
+              <a:rPr lang="en-US" altLang="zh-TW" sz="2400" b="1" dirty="0">
                 <a:solidFill>
                   <a:schemeClr val="tx1">
                     <a:lumMod val="95000"/>
@@ -4514,7 +4400,7 @@
               <a:t>TXT(</a:t>
             </a:r>
             <a:r>
-              <a:rPr lang="zh-TW" altLang="en-US" sz="2400" b="1" dirty="0" smtClean="0">
+              <a:rPr lang="zh-TW" altLang="en-US" sz="2400" b="1" dirty="0">
                 <a:solidFill>
                   <a:schemeClr val="tx1">
                     <a:lumMod val="95000"/>
@@ -4527,7 +4413,7 @@
               <a:t>之後可能還有網頁或其他文件格式</a:t>
             </a:r>
             <a:r>
-              <a:rPr lang="en-US" altLang="zh-TW" sz="2400" b="1" dirty="0" smtClean="0">
+              <a:rPr lang="en-US" altLang="zh-TW" sz="2400" b="1" dirty="0">
                 <a:solidFill>
                   <a:schemeClr val="tx1">
                     <a:lumMod val="95000"/>
@@ -4700,16 +4586,12 @@
           <a:lstStyle/>
           <a:p>
             <a:r>
-              <a:rPr lang="zh-TW" altLang="en-US" dirty="0" smtClean="0">
+              <a:rPr lang="zh-TW" altLang="en-US" dirty="0">
                 <a:latin typeface="Adobe 繁黑體 Std B" pitchFamily="34" charset="-120"/>
                 <a:ea typeface="Adobe 繁黑體 Std B" pitchFamily="34" charset="-120"/>
               </a:rPr>
               <a:t>大型語言模型</a:t>
             </a:r>
-            <a:endParaRPr lang="zh-TW" altLang="en-US" dirty="0">
-              <a:latin typeface="Adobe 繁黑體 Std B" pitchFamily="34" charset="-120"/>
-              <a:ea typeface="Adobe 繁黑體 Std B" pitchFamily="34" charset="-120"/>
-            </a:endParaRPr>
           </a:p>
         </p:txBody>
       </p:sp>
@@ -4736,7 +4618,7 @@
           <a:lstStyle/>
           <a:p>
             <a:r>
-              <a:rPr lang="zh-TW" altLang="en-US" sz="2400" b="1" dirty="0" smtClean="0">
+              <a:rPr lang="zh-TW" altLang="en-US" sz="2400" b="1" dirty="0">
                 <a:solidFill>
                   <a:schemeClr val="tx1">
                     <a:lumMod val="95000"/>
@@ -4749,7 +4631,7 @@
               <a:t>目前使用</a:t>
             </a:r>
             <a:r>
-              <a:rPr lang="en-US" altLang="zh-TW" sz="2400" b="1" dirty="0" err="1" smtClean="0">
+              <a:rPr lang="en-US" altLang="zh-TW" sz="2400" b="1" dirty="0" err="1">
                 <a:solidFill>
                   <a:schemeClr val="tx1">
                     <a:lumMod val="95000"/>
@@ -4762,7 +4644,7 @@
               <a:t>OpenAI</a:t>
             </a:r>
             <a:r>
-              <a:rPr lang="zh-TW" altLang="en-US" sz="2400" b="1" dirty="0" smtClean="0">
+              <a:rPr lang="zh-TW" altLang="en-US" sz="2400" b="1" dirty="0">
                 <a:solidFill>
                   <a:schemeClr val="tx1">
                     <a:lumMod val="95000"/>
@@ -4775,7 +4657,7 @@
               <a:t>推出的各種</a:t>
             </a:r>
             <a:r>
-              <a:rPr lang="en-US" altLang="zh-TW" sz="2400" b="1" dirty="0" smtClean="0">
+              <a:rPr lang="en-US" altLang="zh-TW" sz="2400" b="1" dirty="0">
                 <a:solidFill>
                   <a:schemeClr val="tx1">
                     <a:lumMod val="95000"/>
@@ -4942,23 +4824,19 @@
           <a:lstStyle/>
           <a:p>
             <a:r>
-              <a:rPr lang="en-US" altLang="zh-TW" dirty="0" smtClean="0">
+              <a:rPr lang="en-US" altLang="zh-TW" dirty="0">
                 <a:latin typeface="Adobe 繁黑體 Std B" pitchFamily="34" charset="-120"/>
                 <a:ea typeface="Adobe 繁黑體 Std B" pitchFamily="34" charset="-120"/>
               </a:rPr>
               <a:t>API</a:t>
             </a:r>
             <a:r>
-              <a:rPr lang="zh-TW" altLang="en-US" dirty="0" smtClean="0">
+              <a:rPr lang="zh-TW" altLang="en-US" dirty="0">
                 <a:latin typeface="Adobe 繁黑體 Std B" pitchFamily="34" charset="-120"/>
                 <a:ea typeface="Adobe 繁黑體 Std B" pitchFamily="34" charset="-120"/>
               </a:rPr>
               <a:t>費用</a:t>
             </a:r>
-            <a:endParaRPr lang="zh-TW" altLang="en-US" dirty="0">
-              <a:latin typeface="Adobe 繁黑體 Std B" pitchFamily="34" charset="-120"/>
-              <a:ea typeface="Adobe 繁黑體 Std B" pitchFamily="34" charset="-120"/>
-            </a:endParaRPr>
           </a:p>
         </p:txBody>
       </p:sp>
@@ -4985,7 +4863,7 @@
           <a:lstStyle/>
           <a:p>
             <a:r>
-              <a:rPr lang="zh-TW" altLang="en-US" sz="2400" b="1" dirty="0" smtClean="0">
+              <a:rPr lang="zh-TW" altLang="en-US" sz="2400" b="1" dirty="0">
                 <a:solidFill>
                   <a:schemeClr val="tx1">
                     <a:lumMod val="95000"/>
@@ -4997,16 +4875,6 @@
               </a:rPr>
               <a:t>目前所花的研究金費</a:t>
             </a:r>
-            <a:endParaRPr lang="zh-TW" altLang="en-US" sz="2400" b="1" dirty="0">
-              <a:solidFill>
-                <a:schemeClr val="tx1">
-                  <a:lumMod val="95000"/>
-                  <a:lumOff val="5000"/>
-                </a:schemeClr>
-              </a:solidFill>
-              <a:latin typeface="Adobe 繁黑體 Std B" pitchFamily="34" charset="-120"/>
-              <a:ea typeface="Adobe 繁黑體 Std B" pitchFamily="34" charset="-120"/>
-            </a:endParaRPr>
           </a:p>
         </p:txBody>
       </p:sp>
@@ -5130,7 +4998,7 @@
           <a:lstStyle/>
           <a:p>
             <a:r>
-              <a:rPr lang="zh-TW" altLang="en-US" sz="2400" b="1" dirty="0" smtClean="0">
+              <a:rPr lang="zh-TW" altLang="en-US" sz="2400" b="1" dirty="0">
                 <a:solidFill>
                   <a:schemeClr val="tx1">
                     <a:lumMod val="95000"/>
@@ -5143,7 +5011,7 @@
               <a:t>使用</a:t>
             </a:r>
             <a:r>
-              <a:rPr lang="en-US" altLang="zh-TW" sz="2400" b="1" dirty="0" err="1" smtClean="0">
+              <a:rPr lang="en-US" altLang="zh-TW" sz="2400" b="1" dirty="0" err="1">
                 <a:solidFill>
                   <a:schemeClr val="tx1">
                     <a:lumMod val="95000"/>
@@ -5156,7 +5024,7 @@
               <a:t>PDFReader</a:t>
             </a:r>
             <a:r>
-              <a:rPr lang="zh-TW" altLang="en-US" sz="2400" b="1" dirty="0" smtClean="0">
+              <a:rPr lang="zh-TW" altLang="en-US" sz="2400" b="1" dirty="0">
                 <a:solidFill>
                   <a:schemeClr val="tx1">
                     <a:lumMod val="95000"/>
@@ -5168,16 +5036,6 @@
               </a:rPr>
               <a:t>套件讀取每個檔案文字並輸出成字串</a:t>
             </a:r>
-            <a:endParaRPr lang="zh-TW" altLang="en-US" sz="2400" b="1" dirty="0">
-              <a:solidFill>
-                <a:schemeClr val="tx1">
-                  <a:lumMod val="95000"/>
-                  <a:lumOff val="5000"/>
-                </a:schemeClr>
-              </a:solidFill>
-              <a:latin typeface="Adobe 繁黑體 Std B" pitchFamily="34" charset="-120"/>
-              <a:ea typeface="Adobe 繁黑體 Std B" pitchFamily="34" charset="-120"/>
-            </a:endParaRPr>
           </a:p>
         </p:txBody>
       </p:sp>
@@ -5228,13 +5086,6 @@
   <p:clrMapOvr>
     <a:masterClrMapping/>
   </p:clrMapOvr>
-  <p:timing>
-    <p:tnLst>
-      <p:par>
-        <p:cTn id="1" dur="indefinite" restart="never" nodeType="tmRoot"/>
-      </p:par>
-    </p:tnLst>
-  </p:timing>
 </p:sld>
 </file>
 
@@ -5276,16 +5127,12 @@
           <a:lstStyle/>
           <a:p>
             <a:r>
-              <a:rPr lang="zh-TW" altLang="en-US" dirty="0" smtClean="0">
+              <a:rPr lang="zh-TW" altLang="en-US" dirty="0">
                 <a:latin typeface="Adobe 繁黑體 Std B" pitchFamily="34" charset="-120"/>
                 <a:ea typeface="Adobe 繁黑體 Std B" pitchFamily="34" charset="-120"/>
               </a:rPr>
               <a:t>分割輸入字串</a:t>
             </a:r>
-            <a:endParaRPr lang="zh-TW" altLang="en-US" dirty="0">
-              <a:latin typeface="Adobe 繁黑體 Std B" pitchFamily="34" charset="-120"/>
-              <a:ea typeface="Adobe 繁黑體 Std B" pitchFamily="34" charset="-120"/>
-            </a:endParaRPr>
           </a:p>
         </p:txBody>
       </p:sp>
@@ -5312,7 +5159,7 @@
           <a:lstStyle/>
           <a:p>
             <a:r>
-              <a:rPr lang="zh-TW" altLang="en-US" sz="2400" b="1" dirty="0" smtClean="0">
+              <a:rPr lang="zh-TW" altLang="en-US" sz="2400" b="1" dirty="0">
                 <a:solidFill>
                   <a:schemeClr val="tx1">
                     <a:lumMod val="95000"/>
@@ -5324,16 +5171,6 @@
               </a:rPr>
               <a:t>大型語言模型輸入字數有上限因此要把字串分割才能使用</a:t>
             </a:r>
-            <a:endParaRPr lang="zh-TW" altLang="en-US" sz="2400" b="1" dirty="0">
-              <a:solidFill>
-                <a:schemeClr val="tx1">
-                  <a:lumMod val="95000"/>
-                  <a:lumOff val="5000"/>
-                </a:schemeClr>
-              </a:solidFill>
-              <a:latin typeface="Adobe 繁黑體 Std B" pitchFamily="34" charset="-120"/>
-              <a:ea typeface="Adobe 繁黑體 Std B" pitchFamily="34" charset="-120"/>
-            </a:endParaRPr>
           </a:p>
         </p:txBody>
       </p:sp>
@@ -5414,13 +5251,6 @@
   <p:clrMapOvr>
     <a:masterClrMapping/>
   </p:clrMapOvr>
-  <p:timing>
-    <p:tnLst>
-      <p:par>
-        <p:cTn id="1" dur="indefinite" restart="never" nodeType="tmRoot"/>
-      </p:par>
-    </p:tnLst>
-  </p:timing>
 </p:sld>
 </file>
 
@@ -5462,16 +5292,12 @@
           <a:lstStyle/>
           <a:p>
             <a:r>
-              <a:rPr lang="zh-TW" altLang="en-US" dirty="0" smtClean="0">
+              <a:rPr lang="zh-TW" altLang="en-US" dirty="0">
                 <a:latin typeface="Adobe 繁黑體 Std B" pitchFamily="34" charset="-120"/>
                 <a:ea typeface="Adobe 繁黑體 Std B" pitchFamily="34" charset="-120"/>
               </a:rPr>
               <a:t>文字轉成向量儲存</a:t>
             </a:r>
-            <a:endParaRPr lang="zh-TW" altLang="en-US" dirty="0">
-              <a:latin typeface="Adobe 繁黑體 Std B" pitchFamily="34" charset="-120"/>
-              <a:ea typeface="Adobe 繁黑體 Std B" pitchFamily="34" charset="-120"/>
-            </a:endParaRPr>
           </a:p>
         </p:txBody>
       </p:sp>
@@ -5498,7 +5324,7 @@
           <a:lstStyle/>
           <a:p>
             <a:r>
-              <a:rPr lang="zh-TW" altLang="en-US" sz="2400" b="1" dirty="0" smtClean="0">
+              <a:rPr lang="zh-TW" altLang="en-US" sz="2400" b="1" dirty="0">
                 <a:solidFill>
                   <a:schemeClr val="tx1">
                     <a:lumMod val="95000"/>
@@ -5510,16 +5336,6 @@
               </a:rPr>
               <a:t>將文字轉為向量方便語言模型搜尋</a:t>
             </a:r>
-            <a:endParaRPr lang="zh-TW" altLang="en-US" sz="2400" b="1" dirty="0">
-              <a:solidFill>
-                <a:schemeClr val="tx1">
-                  <a:lumMod val="95000"/>
-                  <a:lumOff val="5000"/>
-                </a:schemeClr>
-              </a:solidFill>
-              <a:latin typeface="Adobe 繁黑體 Std B" pitchFamily="34" charset="-120"/>
-              <a:ea typeface="Adobe 繁黑體 Std B" pitchFamily="34" charset="-120"/>
-            </a:endParaRPr>
           </a:p>
         </p:txBody>
       </p:sp>
@@ -5570,13 +5386,6 @@
   <p:clrMapOvr>
     <a:masterClrMapping/>
   </p:clrMapOvr>
-  <p:timing>
-    <p:tnLst>
-      <p:par>
-        <p:cTn id="1" dur="indefinite" restart="never" nodeType="tmRoot"/>
-      </p:par>
-    </p:tnLst>
-  </p:timing>
 </p:sld>
 </file>
 
@@ -5618,16 +5427,12 @@
           <a:lstStyle/>
           <a:p>
             <a:r>
-              <a:rPr lang="zh-TW" altLang="en-US" dirty="0" smtClean="0">
+              <a:rPr lang="zh-TW" altLang="en-US" dirty="0">
                 <a:latin typeface="Adobe 繁黑體 Std B" pitchFamily="34" charset="-120"/>
                 <a:ea typeface="Adobe 繁黑體 Std B" pitchFamily="34" charset="-120"/>
               </a:rPr>
               <a:t>回答格式</a:t>
             </a:r>
-            <a:endParaRPr lang="zh-TW" altLang="en-US" dirty="0">
-              <a:latin typeface="Adobe 繁黑體 Std B" pitchFamily="34" charset="-120"/>
-              <a:ea typeface="Adobe 繁黑體 Std B" pitchFamily="34" charset="-120"/>
-            </a:endParaRPr>
           </a:p>
         </p:txBody>
       </p:sp>
@@ -5654,7 +5459,7 @@
           <a:lstStyle/>
           <a:p>
             <a:r>
-              <a:rPr lang="zh-TW" altLang="en-US" sz="2400" b="1" dirty="0" smtClean="0">
+              <a:rPr lang="zh-TW" altLang="en-US" sz="2400" b="1" dirty="0">
                 <a:solidFill>
                   <a:schemeClr val="tx1">
                     <a:lumMod val="95000"/>
@@ -5666,16 +5471,6 @@
               </a:rPr>
               <a:t>設定語言模型回答樣板</a:t>
             </a:r>
-            <a:endParaRPr lang="zh-TW" altLang="en-US" sz="2400" b="1" dirty="0">
-              <a:solidFill>
-                <a:schemeClr val="tx1">
-                  <a:lumMod val="95000"/>
-                  <a:lumOff val="5000"/>
-                </a:schemeClr>
-              </a:solidFill>
-              <a:latin typeface="Adobe 繁黑體 Std B" pitchFamily="34" charset="-120"/>
-              <a:ea typeface="Adobe 繁黑體 Std B" pitchFamily="34" charset="-120"/>
-            </a:endParaRPr>
           </a:p>
         </p:txBody>
       </p:sp>
@@ -5701,7 +5496,7 @@
         </p:blipFill>
         <p:spPr>
           <a:xfrm>
-            <a:off x="251520" y="3301442"/>
+            <a:off x="251520" y="2824741"/>
             <a:ext cx="8520621" cy="1208519"/>
           </a:xfrm>
           <a:prstGeom prst="rect">
@@ -5726,13 +5521,6 @@
   <p:clrMapOvr>
     <a:masterClrMapping/>
   </p:clrMapOvr>
-  <p:timing>
-    <p:tnLst>
-      <p:par>
-        <p:cTn id="1" dur="indefinite" restart="never" nodeType="tmRoot"/>
-      </p:par>
-    </p:tnLst>
-  </p:timing>
 </p:sld>
 </file>
 
